--- a/ppt 16-9/0293.主日传道.pptx
+++ b/ppt 16-9/0293.主日传道.pptx
@@ -129,7 +129,7 @@
           <p:cNvPr id="2" name="标题 1">
             <a:extLst>
               <a:ext uri="{FF2B5EF4-FFF2-40B4-BE49-F238E27FC236}">
-                <a16:creationId xmlns:a16="http://schemas.microsoft.com/office/drawing/2014/main" id="{3AA7AE98-3C5C-94A7-7FA2-57DD63367565}"/>
+                <a16:creationId xmlns:a16="http://schemas.microsoft.com/office/drawing/2014/main" id="{FCB7A6FD-3A3D-DC9E-D386-81CF30B8C3D1}"/>
               </a:ext>
             </a:extLst>
           </p:cNvPr>
@@ -166,7 +166,7 @@
           <p:cNvPr id="3" name="副标题 2">
             <a:extLst>
               <a:ext uri="{FF2B5EF4-FFF2-40B4-BE49-F238E27FC236}">
-                <a16:creationId xmlns:a16="http://schemas.microsoft.com/office/drawing/2014/main" id="{3EA4563B-C5ED-86B8-1562-56E0E16FB891}"/>
+                <a16:creationId xmlns:a16="http://schemas.microsoft.com/office/drawing/2014/main" id="{634C763B-94EF-1D2C-C313-AA5A499FDC0C}"/>
               </a:ext>
             </a:extLst>
           </p:cNvPr>
@@ -236,7 +236,7 @@
           <p:cNvPr id="4" name="日期占位符 3">
             <a:extLst>
               <a:ext uri="{FF2B5EF4-FFF2-40B4-BE49-F238E27FC236}">
-                <a16:creationId xmlns:a16="http://schemas.microsoft.com/office/drawing/2014/main" id="{79434100-EF27-4C57-C5EA-1F197A8D62C3}"/>
+                <a16:creationId xmlns:a16="http://schemas.microsoft.com/office/drawing/2014/main" id="{CBF2F67F-5A64-165D-9227-CDA920415C93}"/>
               </a:ext>
             </a:extLst>
           </p:cNvPr>
@@ -252,7 +252,7 @@
           <a:bodyPr/>
           <a:lstStyle/>
           <a:p>
-            <a:fld id="{9519A9A4-B117-4348-B3FE-32367BFB4E50}" type="datetimeFigureOut">
+            <a:fld id="{FB34FBFF-8B80-40BB-9E06-B8FA83ABAA68}" type="datetimeFigureOut">
               <a:rPr lang="zh-CN" altLang="en-US" smtClean="0"/>
               <a:t>2024/3/10</a:t>
             </a:fld>
@@ -265,7 +265,7 @@
           <p:cNvPr id="5" name="页脚占位符 4">
             <a:extLst>
               <a:ext uri="{FF2B5EF4-FFF2-40B4-BE49-F238E27FC236}">
-                <a16:creationId xmlns:a16="http://schemas.microsoft.com/office/drawing/2014/main" id="{4259E1F8-A403-848B-9B88-6BFCC4A2E136}"/>
+                <a16:creationId xmlns:a16="http://schemas.microsoft.com/office/drawing/2014/main" id="{C4C910CE-8812-2CAD-8DCB-91C7CCE76959}"/>
               </a:ext>
             </a:extLst>
           </p:cNvPr>
@@ -290,7 +290,7 @@
           <p:cNvPr id="6" name="灯片编号占位符 5">
             <a:extLst>
               <a:ext uri="{FF2B5EF4-FFF2-40B4-BE49-F238E27FC236}">
-                <a16:creationId xmlns:a16="http://schemas.microsoft.com/office/drawing/2014/main" id="{8BEECBA5-A89E-076C-4211-392860A339FA}"/>
+                <a16:creationId xmlns:a16="http://schemas.microsoft.com/office/drawing/2014/main" id="{8911523B-F6B7-C517-1ECD-0C31AA208343}"/>
               </a:ext>
             </a:extLst>
           </p:cNvPr>
@@ -306,7 +306,7 @@
           <a:bodyPr/>
           <a:lstStyle/>
           <a:p>
-            <a:fld id="{2503C835-0ADE-42A6-9A78-8F4D8CAF5F70}" type="slidenum">
+            <a:fld id="{8206AB8A-ADD1-4127-9362-0F2733DAAC6F}" type="slidenum">
               <a:rPr lang="zh-CN" altLang="en-US" smtClean="0"/>
               <a:t>‹#›</a:t>
             </a:fld>
@@ -317,7 +317,7 @@
     </p:spTree>
     <p:extLst>
       <p:ext uri="{BB962C8B-B14F-4D97-AF65-F5344CB8AC3E}">
-        <p14:creationId xmlns:p14="http://schemas.microsoft.com/office/powerpoint/2010/main" val="1398190054"/>
+        <p14:creationId xmlns:p14="http://schemas.microsoft.com/office/powerpoint/2010/main" val="4030435608"/>
       </p:ext>
     </p:extLst>
   </p:cSld>
@@ -349,7 +349,7 @@
           <p:cNvPr id="2" name="标题 1">
             <a:extLst>
               <a:ext uri="{FF2B5EF4-FFF2-40B4-BE49-F238E27FC236}">
-                <a16:creationId xmlns:a16="http://schemas.microsoft.com/office/drawing/2014/main" id="{DEA488FD-C992-2E0C-1DB9-9A7EE0076323}"/>
+                <a16:creationId xmlns:a16="http://schemas.microsoft.com/office/drawing/2014/main" id="{442504DA-31ED-CF7A-652D-56024A14B20E}"/>
               </a:ext>
             </a:extLst>
           </p:cNvPr>
@@ -377,7 +377,7 @@
           <p:cNvPr id="3" name="竖排文字占位符 2">
             <a:extLst>
               <a:ext uri="{FF2B5EF4-FFF2-40B4-BE49-F238E27FC236}">
-                <a16:creationId xmlns:a16="http://schemas.microsoft.com/office/drawing/2014/main" id="{EB245684-1160-28BE-076F-603C420832C8}"/>
+                <a16:creationId xmlns:a16="http://schemas.microsoft.com/office/drawing/2014/main" id="{8B72C97D-F3E2-962E-6DA8-289C3E544D10}"/>
               </a:ext>
             </a:extLst>
           </p:cNvPr>
@@ -434,7 +434,7 @@
           <p:cNvPr id="4" name="日期占位符 3">
             <a:extLst>
               <a:ext uri="{FF2B5EF4-FFF2-40B4-BE49-F238E27FC236}">
-                <a16:creationId xmlns:a16="http://schemas.microsoft.com/office/drawing/2014/main" id="{2541C055-CD11-CD85-29E9-0B8CDCF9F89D}"/>
+                <a16:creationId xmlns:a16="http://schemas.microsoft.com/office/drawing/2014/main" id="{2EE9948B-AB85-1EC2-8888-71BE4EC50673}"/>
               </a:ext>
             </a:extLst>
           </p:cNvPr>
@@ -450,7 +450,7 @@
           <a:bodyPr/>
           <a:lstStyle/>
           <a:p>
-            <a:fld id="{9519A9A4-B117-4348-B3FE-32367BFB4E50}" type="datetimeFigureOut">
+            <a:fld id="{FB34FBFF-8B80-40BB-9E06-B8FA83ABAA68}" type="datetimeFigureOut">
               <a:rPr lang="zh-CN" altLang="en-US" smtClean="0"/>
               <a:t>2024/3/10</a:t>
             </a:fld>
@@ -463,7 +463,7 @@
           <p:cNvPr id="5" name="页脚占位符 4">
             <a:extLst>
               <a:ext uri="{FF2B5EF4-FFF2-40B4-BE49-F238E27FC236}">
-                <a16:creationId xmlns:a16="http://schemas.microsoft.com/office/drawing/2014/main" id="{E303005A-F371-EFB9-B6BC-F8C3881B7A55}"/>
+                <a16:creationId xmlns:a16="http://schemas.microsoft.com/office/drawing/2014/main" id="{B5D2D17D-CA36-D01D-D981-C50A4477CCB7}"/>
               </a:ext>
             </a:extLst>
           </p:cNvPr>
@@ -488,7 +488,7 @@
           <p:cNvPr id="6" name="灯片编号占位符 5">
             <a:extLst>
               <a:ext uri="{FF2B5EF4-FFF2-40B4-BE49-F238E27FC236}">
-                <a16:creationId xmlns:a16="http://schemas.microsoft.com/office/drawing/2014/main" id="{AB3923FD-255C-C7B1-9E02-068FC7308CD1}"/>
+                <a16:creationId xmlns:a16="http://schemas.microsoft.com/office/drawing/2014/main" id="{275F3921-1916-C407-1BE8-8450D8AA718A}"/>
               </a:ext>
             </a:extLst>
           </p:cNvPr>
@@ -504,7 +504,7 @@
           <a:bodyPr/>
           <a:lstStyle/>
           <a:p>
-            <a:fld id="{2503C835-0ADE-42A6-9A78-8F4D8CAF5F70}" type="slidenum">
+            <a:fld id="{8206AB8A-ADD1-4127-9362-0F2733DAAC6F}" type="slidenum">
               <a:rPr lang="zh-CN" altLang="en-US" smtClean="0"/>
               <a:t>‹#›</a:t>
             </a:fld>
@@ -515,7 +515,7 @@
     </p:spTree>
     <p:extLst>
       <p:ext uri="{BB962C8B-B14F-4D97-AF65-F5344CB8AC3E}">
-        <p14:creationId xmlns:p14="http://schemas.microsoft.com/office/powerpoint/2010/main" val="3289588205"/>
+        <p14:creationId xmlns:p14="http://schemas.microsoft.com/office/powerpoint/2010/main" val="3511861232"/>
       </p:ext>
     </p:extLst>
   </p:cSld>
@@ -547,7 +547,7 @@
           <p:cNvPr id="2" name="竖排标题 1">
             <a:extLst>
               <a:ext uri="{FF2B5EF4-FFF2-40B4-BE49-F238E27FC236}">
-                <a16:creationId xmlns:a16="http://schemas.microsoft.com/office/drawing/2014/main" id="{746137BC-2A20-D67E-9724-4660D03FC320}"/>
+                <a16:creationId xmlns:a16="http://schemas.microsoft.com/office/drawing/2014/main" id="{A5035FE1-38CE-2939-2181-A20BC5C8CBD9}"/>
               </a:ext>
             </a:extLst>
           </p:cNvPr>
@@ -580,7 +580,7 @@
           <p:cNvPr id="3" name="竖排文字占位符 2">
             <a:extLst>
               <a:ext uri="{FF2B5EF4-FFF2-40B4-BE49-F238E27FC236}">
-                <a16:creationId xmlns:a16="http://schemas.microsoft.com/office/drawing/2014/main" id="{18404268-6DA5-81A9-5168-FA873DDEFFD0}"/>
+                <a16:creationId xmlns:a16="http://schemas.microsoft.com/office/drawing/2014/main" id="{30A02C84-A635-FA5F-669E-EFD0F2B6DC44}"/>
               </a:ext>
             </a:extLst>
           </p:cNvPr>
@@ -642,7 +642,7 @@
           <p:cNvPr id="4" name="日期占位符 3">
             <a:extLst>
               <a:ext uri="{FF2B5EF4-FFF2-40B4-BE49-F238E27FC236}">
-                <a16:creationId xmlns:a16="http://schemas.microsoft.com/office/drawing/2014/main" id="{DB647F0A-B4D1-D5C8-B22A-F235956DA474}"/>
+                <a16:creationId xmlns:a16="http://schemas.microsoft.com/office/drawing/2014/main" id="{B7ECF085-C08D-B031-C59B-E7172F2B5ED3}"/>
               </a:ext>
             </a:extLst>
           </p:cNvPr>
@@ -658,7 +658,7 @@
           <a:bodyPr/>
           <a:lstStyle/>
           <a:p>
-            <a:fld id="{9519A9A4-B117-4348-B3FE-32367BFB4E50}" type="datetimeFigureOut">
+            <a:fld id="{FB34FBFF-8B80-40BB-9E06-B8FA83ABAA68}" type="datetimeFigureOut">
               <a:rPr lang="zh-CN" altLang="en-US" smtClean="0"/>
               <a:t>2024/3/10</a:t>
             </a:fld>
@@ -671,7 +671,7 @@
           <p:cNvPr id="5" name="页脚占位符 4">
             <a:extLst>
               <a:ext uri="{FF2B5EF4-FFF2-40B4-BE49-F238E27FC236}">
-                <a16:creationId xmlns:a16="http://schemas.microsoft.com/office/drawing/2014/main" id="{770E1B7B-2ED3-50A3-4D47-AFDA9BFB44C7}"/>
+                <a16:creationId xmlns:a16="http://schemas.microsoft.com/office/drawing/2014/main" id="{EE5C903D-F0B2-5227-3DF4-632756EFF800}"/>
               </a:ext>
             </a:extLst>
           </p:cNvPr>
@@ -696,7 +696,7 @@
           <p:cNvPr id="6" name="灯片编号占位符 5">
             <a:extLst>
               <a:ext uri="{FF2B5EF4-FFF2-40B4-BE49-F238E27FC236}">
-                <a16:creationId xmlns:a16="http://schemas.microsoft.com/office/drawing/2014/main" id="{0C0296C7-0597-BF69-3A5E-2D144FE14A23}"/>
+                <a16:creationId xmlns:a16="http://schemas.microsoft.com/office/drawing/2014/main" id="{BF748F2D-9FA3-63A7-A6F6-25A58F1A153C}"/>
               </a:ext>
             </a:extLst>
           </p:cNvPr>
@@ -712,7 +712,7 @@
           <a:bodyPr/>
           <a:lstStyle/>
           <a:p>
-            <a:fld id="{2503C835-0ADE-42A6-9A78-8F4D8CAF5F70}" type="slidenum">
+            <a:fld id="{8206AB8A-ADD1-4127-9362-0F2733DAAC6F}" type="slidenum">
               <a:rPr lang="zh-CN" altLang="en-US" smtClean="0"/>
               <a:t>‹#›</a:t>
             </a:fld>
@@ -723,7 +723,7 @@
     </p:spTree>
     <p:extLst>
       <p:ext uri="{BB962C8B-B14F-4D97-AF65-F5344CB8AC3E}">
-        <p14:creationId xmlns:p14="http://schemas.microsoft.com/office/powerpoint/2010/main" val="84401331"/>
+        <p14:creationId xmlns:p14="http://schemas.microsoft.com/office/powerpoint/2010/main" val="2763786912"/>
       </p:ext>
     </p:extLst>
   </p:cSld>
@@ -755,7 +755,7 @@
           <p:cNvPr id="2" name="标题 1">
             <a:extLst>
               <a:ext uri="{FF2B5EF4-FFF2-40B4-BE49-F238E27FC236}">
-                <a16:creationId xmlns:a16="http://schemas.microsoft.com/office/drawing/2014/main" id="{F6C4720D-89A3-FE83-2F0C-AD92608B2DBE}"/>
+                <a16:creationId xmlns:a16="http://schemas.microsoft.com/office/drawing/2014/main" id="{6C04172D-0816-428D-39A5-1B8B74ACEE9F}"/>
               </a:ext>
             </a:extLst>
           </p:cNvPr>
@@ -783,7 +783,7 @@
           <p:cNvPr id="3" name="内容占位符 2">
             <a:extLst>
               <a:ext uri="{FF2B5EF4-FFF2-40B4-BE49-F238E27FC236}">
-                <a16:creationId xmlns:a16="http://schemas.microsoft.com/office/drawing/2014/main" id="{D3D263BC-F36C-3C7E-BE77-DD57F0A61624}"/>
+                <a16:creationId xmlns:a16="http://schemas.microsoft.com/office/drawing/2014/main" id="{5B222D4A-9FAA-F0F4-D5FA-1B2530E397E9}"/>
               </a:ext>
             </a:extLst>
           </p:cNvPr>
@@ -840,7 +840,7 @@
           <p:cNvPr id="4" name="日期占位符 3">
             <a:extLst>
               <a:ext uri="{FF2B5EF4-FFF2-40B4-BE49-F238E27FC236}">
-                <a16:creationId xmlns:a16="http://schemas.microsoft.com/office/drawing/2014/main" id="{1468B370-4EFD-38B7-BC80-5B367F35CDBC}"/>
+                <a16:creationId xmlns:a16="http://schemas.microsoft.com/office/drawing/2014/main" id="{7555F740-2FC3-C34B-B937-A143A738DD8C}"/>
               </a:ext>
             </a:extLst>
           </p:cNvPr>
@@ -856,7 +856,7 @@
           <a:bodyPr/>
           <a:lstStyle/>
           <a:p>
-            <a:fld id="{9519A9A4-B117-4348-B3FE-32367BFB4E50}" type="datetimeFigureOut">
+            <a:fld id="{FB34FBFF-8B80-40BB-9E06-B8FA83ABAA68}" type="datetimeFigureOut">
               <a:rPr lang="zh-CN" altLang="en-US" smtClean="0"/>
               <a:t>2024/3/10</a:t>
             </a:fld>
@@ -869,7 +869,7 @@
           <p:cNvPr id="5" name="页脚占位符 4">
             <a:extLst>
               <a:ext uri="{FF2B5EF4-FFF2-40B4-BE49-F238E27FC236}">
-                <a16:creationId xmlns:a16="http://schemas.microsoft.com/office/drawing/2014/main" id="{DB99B81D-F878-6165-0457-8C7C7EF356CC}"/>
+                <a16:creationId xmlns:a16="http://schemas.microsoft.com/office/drawing/2014/main" id="{B9133441-49A5-525F-B015-374D583BF27F}"/>
               </a:ext>
             </a:extLst>
           </p:cNvPr>
@@ -894,7 +894,7 @@
           <p:cNvPr id="6" name="灯片编号占位符 5">
             <a:extLst>
               <a:ext uri="{FF2B5EF4-FFF2-40B4-BE49-F238E27FC236}">
-                <a16:creationId xmlns:a16="http://schemas.microsoft.com/office/drawing/2014/main" id="{B6899736-BB91-52DC-42B2-A8A579216834}"/>
+                <a16:creationId xmlns:a16="http://schemas.microsoft.com/office/drawing/2014/main" id="{8ABA6186-50A6-EFF5-74B1-A8BB31A9CC04}"/>
               </a:ext>
             </a:extLst>
           </p:cNvPr>
@@ -910,7 +910,7 @@
           <a:bodyPr/>
           <a:lstStyle/>
           <a:p>
-            <a:fld id="{2503C835-0ADE-42A6-9A78-8F4D8CAF5F70}" type="slidenum">
+            <a:fld id="{8206AB8A-ADD1-4127-9362-0F2733DAAC6F}" type="slidenum">
               <a:rPr lang="zh-CN" altLang="en-US" smtClean="0"/>
               <a:t>‹#›</a:t>
             </a:fld>
@@ -921,7 +921,7 @@
     </p:spTree>
     <p:extLst>
       <p:ext uri="{BB962C8B-B14F-4D97-AF65-F5344CB8AC3E}">
-        <p14:creationId xmlns:p14="http://schemas.microsoft.com/office/powerpoint/2010/main" val="824897781"/>
+        <p14:creationId xmlns:p14="http://schemas.microsoft.com/office/powerpoint/2010/main" val="221409980"/>
       </p:ext>
     </p:extLst>
   </p:cSld>
@@ -953,7 +953,7 @@
           <p:cNvPr id="2" name="标题 1">
             <a:extLst>
               <a:ext uri="{FF2B5EF4-FFF2-40B4-BE49-F238E27FC236}">
-                <a16:creationId xmlns:a16="http://schemas.microsoft.com/office/drawing/2014/main" id="{562331C9-4CE9-9B41-AA8E-838531B7B26B}"/>
+                <a16:creationId xmlns:a16="http://schemas.microsoft.com/office/drawing/2014/main" id="{29BC2BA2-0914-E253-A668-77C459EAD9C0}"/>
               </a:ext>
             </a:extLst>
           </p:cNvPr>
@@ -990,7 +990,7 @@
           <p:cNvPr id="3" name="文本占位符 2">
             <a:extLst>
               <a:ext uri="{FF2B5EF4-FFF2-40B4-BE49-F238E27FC236}">
-                <a16:creationId xmlns:a16="http://schemas.microsoft.com/office/drawing/2014/main" id="{3578BDAB-51A3-64A5-D0B4-14E4246538DD}"/>
+                <a16:creationId xmlns:a16="http://schemas.microsoft.com/office/drawing/2014/main" id="{18812461-0896-3BBF-E596-6C896DC610EC}"/>
               </a:ext>
             </a:extLst>
           </p:cNvPr>
@@ -1115,7 +1115,7 @@
           <p:cNvPr id="4" name="日期占位符 3">
             <a:extLst>
               <a:ext uri="{FF2B5EF4-FFF2-40B4-BE49-F238E27FC236}">
-                <a16:creationId xmlns:a16="http://schemas.microsoft.com/office/drawing/2014/main" id="{F0492E69-B512-7EE7-85E5-F51365159145}"/>
+                <a16:creationId xmlns:a16="http://schemas.microsoft.com/office/drawing/2014/main" id="{BA138F6B-8390-1D3B-7C19-240D2BC046E7}"/>
               </a:ext>
             </a:extLst>
           </p:cNvPr>
@@ -1131,7 +1131,7 @@
           <a:bodyPr/>
           <a:lstStyle/>
           <a:p>
-            <a:fld id="{9519A9A4-B117-4348-B3FE-32367BFB4E50}" type="datetimeFigureOut">
+            <a:fld id="{FB34FBFF-8B80-40BB-9E06-B8FA83ABAA68}" type="datetimeFigureOut">
               <a:rPr lang="zh-CN" altLang="en-US" smtClean="0"/>
               <a:t>2024/3/10</a:t>
             </a:fld>
@@ -1144,7 +1144,7 @@
           <p:cNvPr id="5" name="页脚占位符 4">
             <a:extLst>
               <a:ext uri="{FF2B5EF4-FFF2-40B4-BE49-F238E27FC236}">
-                <a16:creationId xmlns:a16="http://schemas.microsoft.com/office/drawing/2014/main" id="{2F0128FA-5930-D3FD-EDC8-F1A8C958FB62}"/>
+                <a16:creationId xmlns:a16="http://schemas.microsoft.com/office/drawing/2014/main" id="{0DD84438-9294-9C19-404B-BF6AE6B4D76C}"/>
               </a:ext>
             </a:extLst>
           </p:cNvPr>
@@ -1169,7 +1169,7 @@
           <p:cNvPr id="6" name="灯片编号占位符 5">
             <a:extLst>
               <a:ext uri="{FF2B5EF4-FFF2-40B4-BE49-F238E27FC236}">
-                <a16:creationId xmlns:a16="http://schemas.microsoft.com/office/drawing/2014/main" id="{EF63E5B1-BFF2-555D-4DB7-81617D538C9E}"/>
+                <a16:creationId xmlns:a16="http://schemas.microsoft.com/office/drawing/2014/main" id="{96B8336F-C217-F406-12ED-6C89C6AF637B}"/>
               </a:ext>
             </a:extLst>
           </p:cNvPr>
@@ -1185,7 +1185,7 @@
           <a:bodyPr/>
           <a:lstStyle/>
           <a:p>
-            <a:fld id="{2503C835-0ADE-42A6-9A78-8F4D8CAF5F70}" type="slidenum">
+            <a:fld id="{8206AB8A-ADD1-4127-9362-0F2733DAAC6F}" type="slidenum">
               <a:rPr lang="zh-CN" altLang="en-US" smtClean="0"/>
               <a:t>‹#›</a:t>
             </a:fld>
@@ -1196,7 +1196,7 @@
     </p:spTree>
     <p:extLst>
       <p:ext uri="{BB962C8B-B14F-4D97-AF65-F5344CB8AC3E}">
-        <p14:creationId xmlns:p14="http://schemas.microsoft.com/office/powerpoint/2010/main" val="3277686761"/>
+        <p14:creationId xmlns:p14="http://schemas.microsoft.com/office/powerpoint/2010/main" val="1971477016"/>
       </p:ext>
     </p:extLst>
   </p:cSld>
@@ -1228,7 +1228,7 @@
           <p:cNvPr id="2" name="标题 1">
             <a:extLst>
               <a:ext uri="{FF2B5EF4-FFF2-40B4-BE49-F238E27FC236}">
-                <a16:creationId xmlns:a16="http://schemas.microsoft.com/office/drawing/2014/main" id="{C7E451A3-1488-06D7-487B-1A1E0A111463}"/>
+                <a16:creationId xmlns:a16="http://schemas.microsoft.com/office/drawing/2014/main" id="{CED5C47D-17B0-7A66-33D8-28CF2BE3D4A6}"/>
               </a:ext>
             </a:extLst>
           </p:cNvPr>
@@ -1256,7 +1256,7 @@
           <p:cNvPr id="3" name="内容占位符 2">
             <a:extLst>
               <a:ext uri="{FF2B5EF4-FFF2-40B4-BE49-F238E27FC236}">
-                <a16:creationId xmlns:a16="http://schemas.microsoft.com/office/drawing/2014/main" id="{84A7B8F3-1CF8-3314-2C9C-68730DDC4071}"/>
+                <a16:creationId xmlns:a16="http://schemas.microsoft.com/office/drawing/2014/main" id="{79D057B6-4B9B-0BDD-C546-0C0BB4067301}"/>
               </a:ext>
             </a:extLst>
           </p:cNvPr>
@@ -1318,7 +1318,7 @@
           <p:cNvPr id="4" name="内容占位符 3">
             <a:extLst>
               <a:ext uri="{FF2B5EF4-FFF2-40B4-BE49-F238E27FC236}">
-                <a16:creationId xmlns:a16="http://schemas.microsoft.com/office/drawing/2014/main" id="{137B11E0-B657-B3EE-0117-8C2117FDE7F3}"/>
+                <a16:creationId xmlns:a16="http://schemas.microsoft.com/office/drawing/2014/main" id="{CB29D186-9511-3D58-9374-5EE25ACBCCAE}"/>
               </a:ext>
             </a:extLst>
           </p:cNvPr>
@@ -1380,7 +1380,7 @@
           <p:cNvPr id="5" name="日期占位符 4">
             <a:extLst>
               <a:ext uri="{FF2B5EF4-FFF2-40B4-BE49-F238E27FC236}">
-                <a16:creationId xmlns:a16="http://schemas.microsoft.com/office/drawing/2014/main" id="{8EC09D7C-0BE0-963C-B6BF-55D930C2602E}"/>
+                <a16:creationId xmlns:a16="http://schemas.microsoft.com/office/drawing/2014/main" id="{029F2E84-5D87-19D4-26DA-A21F6E608A05}"/>
               </a:ext>
             </a:extLst>
           </p:cNvPr>
@@ -1396,7 +1396,7 @@
           <a:bodyPr/>
           <a:lstStyle/>
           <a:p>
-            <a:fld id="{9519A9A4-B117-4348-B3FE-32367BFB4E50}" type="datetimeFigureOut">
+            <a:fld id="{FB34FBFF-8B80-40BB-9E06-B8FA83ABAA68}" type="datetimeFigureOut">
               <a:rPr lang="zh-CN" altLang="en-US" smtClean="0"/>
               <a:t>2024/3/10</a:t>
             </a:fld>
@@ -1409,7 +1409,7 @@
           <p:cNvPr id="6" name="页脚占位符 5">
             <a:extLst>
               <a:ext uri="{FF2B5EF4-FFF2-40B4-BE49-F238E27FC236}">
-                <a16:creationId xmlns:a16="http://schemas.microsoft.com/office/drawing/2014/main" id="{6D2201E7-FD05-F5FE-5210-4AD78F6E18A8}"/>
+                <a16:creationId xmlns:a16="http://schemas.microsoft.com/office/drawing/2014/main" id="{12AAF682-7FB7-74C6-62CD-3548A1A43C96}"/>
               </a:ext>
             </a:extLst>
           </p:cNvPr>
@@ -1434,7 +1434,7 @@
           <p:cNvPr id="7" name="灯片编号占位符 6">
             <a:extLst>
               <a:ext uri="{FF2B5EF4-FFF2-40B4-BE49-F238E27FC236}">
-                <a16:creationId xmlns:a16="http://schemas.microsoft.com/office/drawing/2014/main" id="{D33B5772-81C4-4070-4E0D-12E6D0E1763A}"/>
+                <a16:creationId xmlns:a16="http://schemas.microsoft.com/office/drawing/2014/main" id="{4AEE479B-0087-CC1B-91E4-458097B5C561}"/>
               </a:ext>
             </a:extLst>
           </p:cNvPr>
@@ -1450,7 +1450,7 @@
           <a:bodyPr/>
           <a:lstStyle/>
           <a:p>
-            <a:fld id="{2503C835-0ADE-42A6-9A78-8F4D8CAF5F70}" type="slidenum">
+            <a:fld id="{8206AB8A-ADD1-4127-9362-0F2733DAAC6F}" type="slidenum">
               <a:rPr lang="zh-CN" altLang="en-US" smtClean="0"/>
               <a:t>‹#›</a:t>
             </a:fld>
@@ -1461,7 +1461,7 @@
     </p:spTree>
     <p:extLst>
       <p:ext uri="{BB962C8B-B14F-4D97-AF65-F5344CB8AC3E}">
-        <p14:creationId xmlns:p14="http://schemas.microsoft.com/office/powerpoint/2010/main" val="3285914368"/>
+        <p14:creationId xmlns:p14="http://schemas.microsoft.com/office/powerpoint/2010/main" val="173088179"/>
       </p:ext>
     </p:extLst>
   </p:cSld>
@@ -1493,7 +1493,7 @@
           <p:cNvPr id="2" name="标题 1">
             <a:extLst>
               <a:ext uri="{FF2B5EF4-FFF2-40B4-BE49-F238E27FC236}">
-                <a16:creationId xmlns:a16="http://schemas.microsoft.com/office/drawing/2014/main" id="{BEDAA51C-0153-9D11-4F63-F9CFEF1E4C38}"/>
+                <a16:creationId xmlns:a16="http://schemas.microsoft.com/office/drawing/2014/main" id="{3ED2B578-2C46-73A8-80AF-29F0BFC6E40F}"/>
               </a:ext>
             </a:extLst>
           </p:cNvPr>
@@ -1526,7 +1526,7 @@
           <p:cNvPr id="3" name="文本占位符 2">
             <a:extLst>
               <a:ext uri="{FF2B5EF4-FFF2-40B4-BE49-F238E27FC236}">
-                <a16:creationId xmlns:a16="http://schemas.microsoft.com/office/drawing/2014/main" id="{FF961A32-C79B-7566-8FFB-6A80CA46C9D9}"/>
+                <a16:creationId xmlns:a16="http://schemas.microsoft.com/office/drawing/2014/main" id="{07A6F737-4B10-939F-4505-BF9EACD932DA}"/>
               </a:ext>
             </a:extLst>
           </p:cNvPr>
@@ -1597,7 +1597,7 @@
           <p:cNvPr id="4" name="内容占位符 3">
             <a:extLst>
               <a:ext uri="{FF2B5EF4-FFF2-40B4-BE49-F238E27FC236}">
-                <a16:creationId xmlns:a16="http://schemas.microsoft.com/office/drawing/2014/main" id="{A446DC47-95C8-790D-9BA4-488848B2D43A}"/>
+                <a16:creationId xmlns:a16="http://schemas.microsoft.com/office/drawing/2014/main" id="{027FB712-0E30-60A8-C4A7-EC736C3D5E13}"/>
               </a:ext>
             </a:extLst>
           </p:cNvPr>
@@ -1659,7 +1659,7 @@
           <p:cNvPr id="5" name="文本占位符 4">
             <a:extLst>
               <a:ext uri="{FF2B5EF4-FFF2-40B4-BE49-F238E27FC236}">
-                <a16:creationId xmlns:a16="http://schemas.microsoft.com/office/drawing/2014/main" id="{4460BE66-EB08-3DF2-FF69-8E2325E82771}"/>
+                <a16:creationId xmlns:a16="http://schemas.microsoft.com/office/drawing/2014/main" id="{8371B505-E410-3F8F-43FF-BBD78F03F685}"/>
               </a:ext>
             </a:extLst>
           </p:cNvPr>
@@ -1730,7 +1730,7 @@
           <p:cNvPr id="6" name="内容占位符 5">
             <a:extLst>
               <a:ext uri="{FF2B5EF4-FFF2-40B4-BE49-F238E27FC236}">
-                <a16:creationId xmlns:a16="http://schemas.microsoft.com/office/drawing/2014/main" id="{A720B778-9232-249A-B744-C9E8AA13F495}"/>
+                <a16:creationId xmlns:a16="http://schemas.microsoft.com/office/drawing/2014/main" id="{BEB0644A-E101-005A-FF1E-2352B0DD0DCC}"/>
               </a:ext>
             </a:extLst>
           </p:cNvPr>
@@ -1792,7 +1792,7 @@
           <p:cNvPr id="7" name="日期占位符 6">
             <a:extLst>
               <a:ext uri="{FF2B5EF4-FFF2-40B4-BE49-F238E27FC236}">
-                <a16:creationId xmlns:a16="http://schemas.microsoft.com/office/drawing/2014/main" id="{5791420C-17E0-F31F-A95D-EA1787F5C3F2}"/>
+                <a16:creationId xmlns:a16="http://schemas.microsoft.com/office/drawing/2014/main" id="{A801B615-6336-A0B0-6625-9761F48929BA}"/>
               </a:ext>
             </a:extLst>
           </p:cNvPr>
@@ -1808,7 +1808,7 @@
           <a:bodyPr/>
           <a:lstStyle/>
           <a:p>
-            <a:fld id="{9519A9A4-B117-4348-B3FE-32367BFB4E50}" type="datetimeFigureOut">
+            <a:fld id="{FB34FBFF-8B80-40BB-9E06-B8FA83ABAA68}" type="datetimeFigureOut">
               <a:rPr lang="zh-CN" altLang="en-US" smtClean="0"/>
               <a:t>2024/3/10</a:t>
             </a:fld>
@@ -1821,7 +1821,7 @@
           <p:cNvPr id="8" name="页脚占位符 7">
             <a:extLst>
               <a:ext uri="{FF2B5EF4-FFF2-40B4-BE49-F238E27FC236}">
-                <a16:creationId xmlns:a16="http://schemas.microsoft.com/office/drawing/2014/main" id="{9C67FD82-9E74-18A6-2646-B69826D4FB62}"/>
+                <a16:creationId xmlns:a16="http://schemas.microsoft.com/office/drawing/2014/main" id="{227F8B64-CCFB-3DC1-EC67-76E784CB6747}"/>
               </a:ext>
             </a:extLst>
           </p:cNvPr>
@@ -1846,7 +1846,7 @@
           <p:cNvPr id="9" name="灯片编号占位符 8">
             <a:extLst>
               <a:ext uri="{FF2B5EF4-FFF2-40B4-BE49-F238E27FC236}">
-                <a16:creationId xmlns:a16="http://schemas.microsoft.com/office/drawing/2014/main" id="{C722C85F-C20D-67B7-FF24-66A2E8F318E0}"/>
+                <a16:creationId xmlns:a16="http://schemas.microsoft.com/office/drawing/2014/main" id="{075CBC86-6BB1-DDAB-B79B-452C497D479D}"/>
               </a:ext>
             </a:extLst>
           </p:cNvPr>
@@ -1862,7 +1862,7 @@
           <a:bodyPr/>
           <a:lstStyle/>
           <a:p>
-            <a:fld id="{2503C835-0ADE-42A6-9A78-8F4D8CAF5F70}" type="slidenum">
+            <a:fld id="{8206AB8A-ADD1-4127-9362-0F2733DAAC6F}" type="slidenum">
               <a:rPr lang="zh-CN" altLang="en-US" smtClean="0"/>
               <a:t>‹#›</a:t>
             </a:fld>
@@ -1873,7 +1873,7 @@
     </p:spTree>
     <p:extLst>
       <p:ext uri="{BB962C8B-B14F-4D97-AF65-F5344CB8AC3E}">
-        <p14:creationId xmlns:p14="http://schemas.microsoft.com/office/powerpoint/2010/main" val="2782229728"/>
+        <p14:creationId xmlns:p14="http://schemas.microsoft.com/office/powerpoint/2010/main" val="3346747148"/>
       </p:ext>
     </p:extLst>
   </p:cSld>
@@ -1905,7 +1905,7 @@
           <p:cNvPr id="2" name="标题 1">
             <a:extLst>
               <a:ext uri="{FF2B5EF4-FFF2-40B4-BE49-F238E27FC236}">
-                <a16:creationId xmlns:a16="http://schemas.microsoft.com/office/drawing/2014/main" id="{8375C064-8A1A-613D-480D-2417D7E90F9D}"/>
+                <a16:creationId xmlns:a16="http://schemas.microsoft.com/office/drawing/2014/main" id="{BC5BBE75-892D-A727-66E2-21CE26121EE3}"/>
               </a:ext>
             </a:extLst>
           </p:cNvPr>
@@ -1933,7 +1933,7 @@
           <p:cNvPr id="3" name="日期占位符 2">
             <a:extLst>
               <a:ext uri="{FF2B5EF4-FFF2-40B4-BE49-F238E27FC236}">
-                <a16:creationId xmlns:a16="http://schemas.microsoft.com/office/drawing/2014/main" id="{194FD336-BFDD-F409-98E7-9CAE698BA3B9}"/>
+                <a16:creationId xmlns:a16="http://schemas.microsoft.com/office/drawing/2014/main" id="{5D5204ED-12EE-205F-A8E0-F62991474A6E}"/>
               </a:ext>
             </a:extLst>
           </p:cNvPr>
@@ -1949,7 +1949,7 @@
           <a:bodyPr/>
           <a:lstStyle/>
           <a:p>
-            <a:fld id="{9519A9A4-B117-4348-B3FE-32367BFB4E50}" type="datetimeFigureOut">
+            <a:fld id="{FB34FBFF-8B80-40BB-9E06-B8FA83ABAA68}" type="datetimeFigureOut">
               <a:rPr lang="zh-CN" altLang="en-US" smtClean="0"/>
               <a:t>2024/3/10</a:t>
             </a:fld>
@@ -1962,7 +1962,7 @@
           <p:cNvPr id="4" name="页脚占位符 3">
             <a:extLst>
               <a:ext uri="{FF2B5EF4-FFF2-40B4-BE49-F238E27FC236}">
-                <a16:creationId xmlns:a16="http://schemas.microsoft.com/office/drawing/2014/main" id="{6E213E42-5DBB-F10F-E30E-47510ED1E7D9}"/>
+                <a16:creationId xmlns:a16="http://schemas.microsoft.com/office/drawing/2014/main" id="{34AAD1AB-064C-9863-9020-5F70C7D3780D}"/>
               </a:ext>
             </a:extLst>
           </p:cNvPr>
@@ -1987,7 +1987,7 @@
           <p:cNvPr id="5" name="灯片编号占位符 4">
             <a:extLst>
               <a:ext uri="{FF2B5EF4-FFF2-40B4-BE49-F238E27FC236}">
-                <a16:creationId xmlns:a16="http://schemas.microsoft.com/office/drawing/2014/main" id="{2FEC3676-98D8-C3FF-0AE0-21738F8A2395}"/>
+                <a16:creationId xmlns:a16="http://schemas.microsoft.com/office/drawing/2014/main" id="{07B9DD61-6FE2-822B-DF6B-BD52D69EBBA8}"/>
               </a:ext>
             </a:extLst>
           </p:cNvPr>
@@ -2003,7 +2003,7 @@
           <a:bodyPr/>
           <a:lstStyle/>
           <a:p>
-            <a:fld id="{2503C835-0ADE-42A6-9A78-8F4D8CAF5F70}" type="slidenum">
+            <a:fld id="{8206AB8A-ADD1-4127-9362-0F2733DAAC6F}" type="slidenum">
               <a:rPr lang="zh-CN" altLang="en-US" smtClean="0"/>
               <a:t>‹#›</a:t>
             </a:fld>
@@ -2014,7 +2014,7 @@
     </p:spTree>
     <p:extLst>
       <p:ext uri="{BB962C8B-B14F-4D97-AF65-F5344CB8AC3E}">
-        <p14:creationId xmlns:p14="http://schemas.microsoft.com/office/powerpoint/2010/main" val="4038312087"/>
+        <p14:creationId xmlns:p14="http://schemas.microsoft.com/office/powerpoint/2010/main" val="1756700827"/>
       </p:ext>
     </p:extLst>
   </p:cSld>
@@ -2046,7 +2046,7 @@
           <p:cNvPr id="2" name="日期占位符 1">
             <a:extLst>
               <a:ext uri="{FF2B5EF4-FFF2-40B4-BE49-F238E27FC236}">
-                <a16:creationId xmlns:a16="http://schemas.microsoft.com/office/drawing/2014/main" id="{42A24684-AA59-028D-D381-116A4356E581}"/>
+                <a16:creationId xmlns:a16="http://schemas.microsoft.com/office/drawing/2014/main" id="{6CD5FDCA-14F1-80ED-75D9-0ABB5C4FD25B}"/>
               </a:ext>
             </a:extLst>
           </p:cNvPr>
@@ -2062,7 +2062,7 @@
           <a:bodyPr/>
           <a:lstStyle/>
           <a:p>
-            <a:fld id="{9519A9A4-B117-4348-B3FE-32367BFB4E50}" type="datetimeFigureOut">
+            <a:fld id="{FB34FBFF-8B80-40BB-9E06-B8FA83ABAA68}" type="datetimeFigureOut">
               <a:rPr lang="zh-CN" altLang="en-US" smtClean="0"/>
               <a:t>2024/3/10</a:t>
             </a:fld>
@@ -2075,7 +2075,7 @@
           <p:cNvPr id="3" name="页脚占位符 2">
             <a:extLst>
               <a:ext uri="{FF2B5EF4-FFF2-40B4-BE49-F238E27FC236}">
-                <a16:creationId xmlns:a16="http://schemas.microsoft.com/office/drawing/2014/main" id="{6BF7A9B1-A556-832D-AEE2-02D93E8F5C8E}"/>
+                <a16:creationId xmlns:a16="http://schemas.microsoft.com/office/drawing/2014/main" id="{5ED559C9-6F5D-E985-59C6-7A9899B944FF}"/>
               </a:ext>
             </a:extLst>
           </p:cNvPr>
@@ -2100,7 +2100,7 @@
           <p:cNvPr id="4" name="灯片编号占位符 3">
             <a:extLst>
               <a:ext uri="{FF2B5EF4-FFF2-40B4-BE49-F238E27FC236}">
-                <a16:creationId xmlns:a16="http://schemas.microsoft.com/office/drawing/2014/main" id="{0E21E125-D6BB-0DB5-CA6D-A249FFD4F7D8}"/>
+                <a16:creationId xmlns:a16="http://schemas.microsoft.com/office/drawing/2014/main" id="{3577BC53-2B75-6D74-AA77-5C78069D2AB8}"/>
               </a:ext>
             </a:extLst>
           </p:cNvPr>
@@ -2116,7 +2116,7 @@
           <a:bodyPr/>
           <a:lstStyle/>
           <a:p>
-            <a:fld id="{2503C835-0ADE-42A6-9A78-8F4D8CAF5F70}" type="slidenum">
+            <a:fld id="{8206AB8A-ADD1-4127-9362-0F2733DAAC6F}" type="slidenum">
               <a:rPr lang="zh-CN" altLang="en-US" smtClean="0"/>
               <a:t>‹#›</a:t>
             </a:fld>
@@ -2127,7 +2127,7 @@
     </p:spTree>
     <p:extLst>
       <p:ext uri="{BB962C8B-B14F-4D97-AF65-F5344CB8AC3E}">
-        <p14:creationId xmlns:p14="http://schemas.microsoft.com/office/powerpoint/2010/main" val="1155879039"/>
+        <p14:creationId xmlns:p14="http://schemas.microsoft.com/office/powerpoint/2010/main" val="3023808755"/>
       </p:ext>
     </p:extLst>
   </p:cSld>
@@ -2159,7 +2159,7 @@
           <p:cNvPr id="2" name="标题 1">
             <a:extLst>
               <a:ext uri="{FF2B5EF4-FFF2-40B4-BE49-F238E27FC236}">
-                <a16:creationId xmlns:a16="http://schemas.microsoft.com/office/drawing/2014/main" id="{65A4E369-0600-0669-5FD6-62FA96EA906E}"/>
+                <a16:creationId xmlns:a16="http://schemas.microsoft.com/office/drawing/2014/main" id="{40282DBC-285E-8872-2EFC-FD444014AE0A}"/>
               </a:ext>
             </a:extLst>
           </p:cNvPr>
@@ -2196,7 +2196,7 @@
           <p:cNvPr id="3" name="内容占位符 2">
             <a:extLst>
               <a:ext uri="{FF2B5EF4-FFF2-40B4-BE49-F238E27FC236}">
-                <a16:creationId xmlns:a16="http://schemas.microsoft.com/office/drawing/2014/main" id="{29430A3C-5CF6-9B86-9635-B148AC12E54F}"/>
+                <a16:creationId xmlns:a16="http://schemas.microsoft.com/office/drawing/2014/main" id="{4DBB0321-D437-7AF0-310A-C3DDAE9F8B65}"/>
               </a:ext>
             </a:extLst>
           </p:cNvPr>
@@ -2286,7 +2286,7 @@
           <p:cNvPr id="4" name="文本占位符 3">
             <a:extLst>
               <a:ext uri="{FF2B5EF4-FFF2-40B4-BE49-F238E27FC236}">
-                <a16:creationId xmlns:a16="http://schemas.microsoft.com/office/drawing/2014/main" id="{0DD3996A-7B37-2663-F35B-353CB9787BBB}"/>
+                <a16:creationId xmlns:a16="http://schemas.microsoft.com/office/drawing/2014/main" id="{B6D72AAD-D620-9145-CA2B-0F701EC703EE}"/>
               </a:ext>
             </a:extLst>
           </p:cNvPr>
@@ -2357,7 +2357,7 @@
           <p:cNvPr id="5" name="日期占位符 4">
             <a:extLst>
               <a:ext uri="{FF2B5EF4-FFF2-40B4-BE49-F238E27FC236}">
-                <a16:creationId xmlns:a16="http://schemas.microsoft.com/office/drawing/2014/main" id="{FCD0B95E-8487-3BA2-3199-8B4EE6CC37EE}"/>
+                <a16:creationId xmlns:a16="http://schemas.microsoft.com/office/drawing/2014/main" id="{C3C30F56-B47D-DF49-FE5F-1B475DC2CD5B}"/>
               </a:ext>
             </a:extLst>
           </p:cNvPr>
@@ -2373,7 +2373,7 @@
           <a:bodyPr/>
           <a:lstStyle/>
           <a:p>
-            <a:fld id="{9519A9A4-B117-4348-B3FE-32367BFB4E50}" type="datetimeFigureOut">
+            <a:fld id="{FB34FBFF-8B80-40BB-9E06-B8FA83ABAA68}" type="datetimeFigureOut">
               <a:rPr lang="zh-CN" altLang="en-US" smtClean="0"/>
               <a:t>2024/3/10</a:t>
             </a:fld>
@@ -2386,7 +2386,7 @@
           <p:cNvPr id="6" name="页脚占位符 5">
             <a:extLst>
               <a:ext uri="{FF2B5EF4-FFF2-40B4-BE49-F238E27FC236}">
-                <a16:creationId xmlns:a16="http://schemas.microsoft.com/office/drawing/2014/main" id="{D5296F86-360C-1A17-ED84-157143028C3C}"/>
+                <a16:creationId xmlns:a16="http://schemas.microsoft.com/office/drawing/2014/main" id="{C560EB1F-AB86-3E93-DD12-7F8404FE78DC}"/>
               </a:ext>
             </a:extLst>
           </p:cNvPr>
@@ -2411,7 +2411,7 @@
           <p:cNvPr id="7" name="灯片编号占位符 6">
             <a:extLst>
               <a:ext uri="{FF2B5EF4-FFF2-40B4-BE49-F238E27FC236}">
-                <a16:creationId xmlns:a16="http://schemas.microsoft.com/office/drawing/2014/main" id="{D044E27F-E023-8EFF-AD71-90CF2102BC31}"/>
+                <a16:creationId xmlns:a16="http://schemas.microsoft.com/office/drawing/2014/main" id="{EE0AC59D-FEC4-DAB6-EA79-72CB3837222F}"/>
               </a:ext>
             </a:extLst>
           </p:cNvPr>
@@ -2427,7 +2427,7 @@
           <a:bodyPr/>
           <a:lstStyle/>
           <a:p>
-            <a:fld id="{2503C835-0ADE-42A6-9A78-8F4D8CAF5F70}" type="slidenum">
+            <a:fld id="{8206AB8A-ADD1-4127-9362-0F2733DAAC6F}" type="slidenum">
               <a:rPr lang="zh-CN" altLang="en-US" smtClean="0"/>
               <a:t>‹#›</a:t>
             </a:fld>
@@ -2438,7 +2438,7 @@
     </p:spTree>
     <p:extLst>
       <p:ext uri="{BB962C8B-B14F-4D97-AF65-F5344CB8AC3E}">
-        <p14:creationId xmlns:p14="http://schemas.microsoft.com/office/powerpoint/2010/main" val="3557374350"/>
+        <p14:creationId xmlns:p14="http://schemas.microsoft.com/office/powerpoint/2010/main" val="3302970487"/>
       </p:ext>
     </p:extLst>
   </p:cSld>
@@ -2470,7 +2470,7 @@
           <p:cNvPr id="2" name="标题 1">
             <a:extLst>
               <a:ext uri="{FF2B5EF4-FFF2-40B4-BE49-F238E27FC236}">
-                <a16:creationId xmlns:a16="http://schemas.microsoft.com/office/drawing/2014/main" id="{5A21B530-7B08-C88C-0141-52F46C4A1BBE}"/>
+                <a16:creationId xmlns:a16="http://schemas.microsoft.com/office/drawing/2014/main" id="{DB07E1D5-7343-34B8-A3E0-AC14084C037D}"/>
               </a:ext>
             </a:extLst>
           </p:cNvPr>
@@ -2507,7 +2507,7 @@
           <p:cNvPr id="3" name="图片占位符 2">
             <a:extLst>
               <a:ext uri="{FF2B5EF4-FFF2-40B4-BE49-F238E27FC236}">
-                <a16:creationId xmlns:a16="http://schemas.microsoft.com/office/drawing/2014/main" id="{68FA7C70-CFEB-138D-ED9F-5AB2E7CCBC7A}"/>
+                <a16:creationId xmlns:a16="http://schemas.microsoft.com/office/drawing/2014/main" id="{74FD52D5-A0F8-FD13-E3AC-872F75897EFF}"/>
               </a:ext>
             </a:extLst>
           </p:cNvPr>
@@ -2574,7 +2574,7 @@
           <p:cNvPr id="4" name="文本占位符 3">
             <a:extLst>
               <a:ext uri="{FF2B5EF4-FFF2-40B4-BE49-F238E27FC236}">
-                <a16:creationId xmlns:a16="http://schemas.microsoft.com/office/drawing/2014/main" id="{33D01779-8D12-B6B2-EF18-FA887435FCA0}"/>
+                <a16:creationId xmlns:a16="http://schemas.microsoft.com/office/drawing/2014/main" id="{2E81A818-7950-232E-43DC-27BBE0702D20}"/>
               </a:ext>
             </a:extLst>
           </p:cNvPr>
@@ -2645,7 +2645,7 @@
           <p:cNvPr id="5" name="日期占位符 4">
             <a:extLst>
               <a:ext uri="{FF2B5EF4-FFF2-40B4-BE49-F238E27FC236}">
-                <a16:creationId xmlns:a16="http://schemas.microsoft.com/office/drawing/2014/main" id="{9D825490-3103-456A-D9D5-FBE405DF287B}"/>
+                <a16:creationId xmlns:a16="http://schemas.microsoft.com/office/drawing/2014/main" id="{BB6B281A-C8CF-6935-8A40-6CAED65495B2}"/>
               </a:ext>
             </a:extLst>
           </p:cNvPr>
@@ -2661,7 +2661,7 @@
           <a:bodyPr/>
           <a:lstStyle/>
           <a:p>
-            <a:fld id="{9519A9A4-B117-4348-B3FE-32367BFB4E50}" type="datetimeFigureOut">
+            <a:fld id="{FB34FBFF-8B80-40BB-9E06-B8FA83ABAA68}" type="datetimeFigureOut">
               <a:rPr lang="zh-CN" altLang="en-US" smtClean="0"/>
               <a:t>2024/3/10</a:t>
             </a:fld>
@@ -2674,7 +2674,7 @@
           <p:cNvPr id="6" name="页脚占位符 5">
             <a:extLst>
               <a:ext uri="{FF2B5EF4-FFF2-40B4-BE49-F238E27FC236}">
-                <a16:creationId xmlns:a16="http://schemas.microsoft.com/office/drawing/2014/main" id="{7D98418A-A6B6-6E50-B2B7-7D2DA5ABB6E4}"/>
+                <a16:creationId xmlns:a16="http://schemas.microsoft.com/office/drawing/2014/main" id="{2870B516-91FC-1349-9B39-32B76DB9DB93}"/>
               </a:ext>
             </a:extLst>
           </p:cNvPr>
@@ -2699,7 +2699,7 @@
           <p:cNvPr id="7" name="灯片编号占位符 6">
             <a:extLst>
               <a:ext uri="{FF2B5EF4-FFF2-40B4-BE49-F238E27FC236}">
-                <a16:creationId xmlns:a16="http://schemas.microsoft.com/office/drawing/2014/main" id="{F69FFA1D-A82B-D906-68A0-3F7D5DA71C0A}"/>
+                <a16:creationId xmlns:a16="http://schemas.microsoft.com/office/drawing/2014/main" id="{104D2A18-7014-EF96-331B-FC888A9643A7}"/>
               </a:ext>
             </a:extLst>
           </p:cNvPr>
@@ -2715,7 +2715,7 @@
           <a:bodyPr/>
           <a:lstStyle/>
           <a:p>
-            <a:fld id="{2503C835-0ADE-42A6-9A78-8F4D8CAF5F70}" type="slidenum">
+            <a:fld id="{8206AB8A-ADD1-4127-9362-0F2733DAAC6F}" type="slidenum">
               <a:rPr lang="zh-CN" altLang="en-US" smtClean="0"/>
               <a:t>‹#›</a:t>
             </a:fld>
@@ -2726,7 +2726,7 @@
     </p:spTree>
     <p:extLst>
       <p:ext uri="{BB962C8B-B14F-4D97-AF65-F5344CB8AC3E}">
-        <p14:creationId xmlns:p14="http://schemas.microsoft.com/office/powerpoint/2010/main" val="1632070289"/>
+        <p14:creationId xmlns:p14="http://schemas.microsoft.com/office/powerpoint/2010/main" val="715004847"/>
       </p:ext>
     </p:extLst>
   </p:cSld>
@@ -2763,7 +2763,7 @@
           <p:cNvPr id="2" name="标题占位符 1">
             <a:extLst>
               <a:ext uri="{FF2B5EF4-FFF2-40B4-BE49-F238E27FC236}">
-                <a16:creationId xmlns:a16="http://schemas.microsoft.com/office/drawing/2014/main" id="{7AD7E94F-88DC-EED8-58A3-2D2FBFBEB93F}"/>
+                <a16:creationId xmlns:a16="http://schemas.microsoft.com/office/drawing/2014/main" id="{9693A2A9-ECA8-C536-4316-982E028433F5}"/>
               </a:ext>
             </a:extLst>
           </p:cNvPr>
@@ -2801,7 +2801,7 @@
           <p:cNvPr id="3" name="文本占位符 2">
             <a:extLst>
               <a:ext uri="{FF2B5EF4-FFF2-40B4-BE49-F238E27FC236}">
-                <a16:creationId xmlns:a16="http://schemas.microsoft.com/office/drawing/2014/main" id="{A94B53C8-81A1-90AF-10AF-1CC682579819}"/>
+                <a16:creationId xmlns:a16="http://schemas.microsoft.com/office/drawing/2014/main" id="{25E61397-E26C-69C5-3462-7A95C940125C}"/>
               </a:ext>
             </a:extLst>
           </p:cNvPr>
@@ -2868,7 +2868,7 @@
           <p:cNvPr id="4" name="日期占位符 3">
             <a:extLst>
               <a:ext uri="{FF2B5EF4-FFF2-40B4-BE49-F238E27FC236}">
-                <a16:creationId xmlns:a16="http://schemas.microsoft.com/office/drawing/2014/main" id="{6216E138-38BC-D0D0-5BBF-721446C6F808}"/>
+                <a16:creationId xmlns:a16="http://schemas.microsoft.com/office/drawing/2014/main" id="{8E38C30A-7DAA-6474-8379-2B48B74325B4}"/>
               </a:ext>
             </a:extLst>
           </p:cNvPr>
@@ -2902,7 +2902,7 @@
             </a:lvl1pPr>
           </a:lstStyle>
           <a:p>
-            <a:fld id="{9519A9A4-B117-4348-B3FE-32367BFB4E50}" type="datetimeFigureOut">
+            <a:fld id="{FB34FBFF-8B80-40BB-9E06-B8FA83ABAA68}" type="datetimeFigureOut">
               <a:rPr lang="zh-CN" altLang="en-US" smtClean="0"/>
               <a:t>2024/3/10</a:t>
             </a:fld>
@@ -2915,7 +2915,7 @@
           <p:cNvPr id="5" name="页脚占位符 4">
             <a:extLst>
               <a:ext uri="{FF2B5EF4-FFF2-40B4-BE49-F238E27FC236}">
-                <a16:creationId xmlns:a16="http://schemas.microsoft.com/office/drawing/2014/main" id="{1AA0ED97-F605-1351-1C6B-63CDA67AE755}"/>
+                <a16:creationId xmlns:a16="http://schemas.microsoft.com/office/drawing/2014/main" id="{BDC98111-A8C3-B271-731F-A1A8D661BFC1}"/>
               </a:ext>
             </a:extLst>
           </p:cNvPr>
@@ -2958,7 +2958,7 @@
           <p:cNvPr id="6" name="灯片编号占位符 5">
             <a:extLst>
               <a:ext uri="{FF2B5EF4-FFF2-40B4-BE49-F238E27FC236}">
-                <a16:creationId xmlns:a16="http://schemas.microsoft.com/office/drawing/2014/main" id="{2F75FF31-872A-29A0-0BAF-2613DE698298}"/>
+                <a16:creationId xmlns:a16="http://schemas.microsoft.com/office/drawing/2014/main" id="{AE659921-45F5-D237-939F-CCD38161DFEB}"/>
               </a:ext>
             </a:extLst>
           </p:cNvPr>
@@ -2992,7 +2992,7 @@
             </a:lvl1pPr>
           </a:lstStyle>
           <a:p>
-            <a:fld id="{2503C835-0ADE-42A6-9A78-8F4D8CAF5F70}" type="slidenum">
+            <a:fld id="{8206AB8A-ADD1-4127-9362-0F2733DAAC6F}" type="slidenum">
               <a:rPr lang="zh-CN" altLang="en-US" smtClean="0"/>
               <a:t>‹#›</a:t>
             </a:fld>
@@ -3003,7 +3003,7 @@
     </p:spTree>
     <p:extLst>
       <p:ext uri="{BB962C8B-B14F-4D97-AF65-F5344CB8AC3E}">
-        <p14:creationId xmlns:p14="http://schemas.microsoft.com/office/powerpoint/2010/main" val="3974359010"/>
+        <p14:creationId xmlns:p14="http://schemas.microsoft.com/office/powerpoint/2010/main" val="1730732091"/>
       </p:ext>
     </p:extLst>
   </p:cSld>
